--- a/reports/Poster_Zhe Yu.pptx
+++ b/reports/Poster_Zhe Yu.pptx
@@ -741,7 +741,7 @@
           </a:bodyPr>
           <a:lstStyle/>
           <a:p>
-            <a:endParaRPr lang="en-US"/>
+            <a:endParaRPr lang="en-US" dirty="0"/>
           </a:p>
         </p:txBody>
       </p:sp>
@@ -5290,7 +5290,7 @@
               <a:graphicData uri="http://schemas.openxmlformats.org/presentationml/2006/ole">
                 <mc:AlternateContent xmlns:mc="http://schemas.openxmlformats.org/markup-compatibility/2006">
                   <mc:Choice xmlns:v="urn:schemas-microsoft-com:vml" Requires="v">
-                    <p:oleObj spid="_x0000_s1608" name="Image" r:id="rId8" imgW="1828440" imgH="1117440" progId="Photoshop.Image.13">
+                    <p:oleObj spid="_x0000_s1616" name="Image" r:id="rId8" imgW="1828440" imgH="1117440" progId="Photoshop.Image.13">
                       <p:embed/>
                     </p:oleObj>
                   </mc:Choice>
@@ -5347,7 +5347,7 @@
               <a:graphicData uri="http://schemas.openxmlformats.org/presentationml/2006/ole">
                 <mc:AlternateContent xmlns:mc="http://schemas.openxmlformats.org/markup-compatibility/2006">
                   <mc:Choice xmlns:v="urn:schemas-microsoft-com:vml" Requires="v">
-                    <p:oleObj spid="_x0000_s1609" name="Image" r:id="rId10" imgW="1828440" imgH="1117440" progId="Photoshop.Image.13">
+                    <p:oleObj spid="_x0000_s1617" name="Image" r:id="rId10" imgW="1828440" imgH="1117440" progId="Photoshop.Image.13">
                       <p:embed/>
                     </p:oleObj>
                   </mc:Choice>
@@ -6475,7 +6475,7 @@
             <a:graphicData uri="http://schemas.openxmlformats.org/presentationml/2006/ole">
               <mc:AlternateContent xmlns:mc="http://schemas.openxmlformats.org/markup-compatibility/2006">
                 <mc:Choice xmlns:v="urn:schemas-microsoft-com:vml" Requires="v">
-                  <p:oleObj spid="_x0000_s1610" name="Image" r:id="rId12" imgW="4571280" imgH="1688760" progId="Photoshop.Image.13">
+                  <p:oleObj spid="_x0000_s1618" name="Image" r:id="rId12" imgW="4571280" imgH="1688760" progId="Photoshop.Image.13">
                     <p:embed/>
                   </p:oleObj>
                 </mc:Choice>
@@ -6559,7 +6559,7 @@
             <a:graphicData uri="http://schemas.openxmlformats.org/presentationml/2006/ole">
               <mc:AlternateContent xmlns:mc="http://schemas.openxmlformats.org/markup-compatibility/2006">
                 <mc:Choice xmlns:v="urn:schemas-microsoft-com:vml" Requires="v">
-                  <p:oleObj spid="_x0000_s1611" name="Image" r:id="rId15" imgW="1574280" imgH="1053720" progId="Photoshop.Image.13">
+                  <p:oleObj spid="_x0000_s1619" name="Image" r:id="rId15" imgW="1574280" imgH="1053720" progId="Photoshop.Image.13">
                     <p:embed/>
                   </p:oleObj>
                 </mc:Choice>
@@ -8449,7 +8449,7 @@
             <a:graphicData uri="http://schemas.openxmlformats.org/presentationml/2006/ole">
               <mc:AlternateContent xmlns:mc="http://schemas.openxmlformats.org/markup-compatibility/2006">
                 <mc:Choice xmlns:v="urn:schemas-microsoft-com:vml" Requires="v">
-                  <p:oleObj spid="_x0000_s2184" name="Image" r:id="rId4" imgW="4571280" imgH="1688760" progId="Photoshop.Image.13">
+                  <p:oleObj spid="_x0000_s2192" name="Image" r:id="rId4" imgW="4571280" imgH="1688760" progId="Photoshop.Image.13">
                     <p:embed/>
                   </p:oleObj>
                 </mc:Choice>
@@ -8533,7 +8533,7 @@
             <a:graphicData uri="http://schemas.openxmlformats.org/presentationml/2006/ole">
               <mc:AlternateContent xmlns:mc="http://schemas.openxmlformats.org/markup-compatibility/2006">
                 <mc:Choice xmlns:v="urn:schemas-microsoft-com:vml" Requires="v">
-                  <p:oleObj spid="_x0000_s2185" name="Image" r:id="rId7" imgW="1574280" imgH="1053720" progId="Photoshop.Image.13">
+                  <p:oleObj spid="_x0000_s2193" name="Image" r:id="rId7" imgW="1574280" imgH="1053720" progId="Photoshop.Image.13">
                     <p:embed/>
                   </p:oleObj>
                 </mc:Choice>
@@ -9929,7 +9929,7 @@
               <a:graphicData uri="http://schemas.openxmlformats.org/presentationml/2006/ole">
                 <mc:AlternateContent xmlns:mc="http://schemas.openxmlformats.org/markup-compatibility/2006">
                   <mc:Choice xmlns:v="urn:schemas-microsoft-com:vml" Requires="v">
-                    <p:oleObj spid="_x0000_s2186" name="Image" r:id="rId15" imgW="1828440" imgH="1117440" progId="Photoshop.Image.13">
+                    <p:oleObj spid="_x0000_s2194" name="Image" r:id="rId15" imgW="1828440" imgH="1117440" progId="Photoshop.Image.13">
                       <p:embed/>
                     </p:oleObj>
                   </mc:Choice>
@@ -9986,7 +9986,7 @@
               <a:graphicData uri="http://schemas.openxmlformats.org/presentationml/2006/ole">
                 <mc:AlternateContent xmlns:mc="http://schemas.openxmlformats.org/markup-compatibility/2006">
                   <mc:Choice xmlns:v="urn:schemas-microsoft-com:vml" Requires="v">
-                    <p:oleObj spid="_x0000_s2187" name="Image" r:id="rId17" imgW="1828440" imgH="1117440" progId="Photoshop.Image.13">
+                    <p:oleObj spid="_x0000_s2195" name="Image" r:id="rId17" imgW="1828440" imgH="1117440" progId="Photoshop.Image.13">
                       <p:embed/>
                     </p:oleObj>
                   </mc:Choice>
@@ -11922,7 +11922,7 @@
             <a:graphicData uri="http://schemas.openxmlformats.org/presentationml/2006/ole">
               <mc:AlternateContent xmlns:mc="http://schemas.openxmlformats.org/markup-compatibility/2006">
                 <mc:Choice xmlns:v="urn:schemas-microsoft-com:vml" Requires="v">
-                  <p:oleObj spid="_x0000_s3204" name="Image" r:id="rId4" imgW="4571280" imgH="1688760" progId="Photoshop.Image.13">
+                  <p:oleObj spid="_x0000_s3212" name="Image" r:id="rId4" imgW="4571280" imgH="1688760" progId="Photoshop.Image.13">
                     <p:embed/>
                   </p:oleObj>
                 </mc:Choice>
@@ -12006,7 +12006,7 @@
             <a:graphicData uri="http://schemas.openxmlformats.org/presentationml/2006/ole">
               <mc:AlternateContent xmlns:mc="http://schemas.openxmlformats.org/markup-compatibility/2006">
                 <mc:Choice xmlns:v="urn:schemas-microsoft-com:vml" Requires="v">
-                  <p:oleObj spid="_x0000_s3205" name="Image" r:id="rId7" imgW="1574280" imgH="1053720" progId="Photoshop.Image.13">
+                  <p:oleObj spid="_x0000_s3213" name="Image" r:id="rId7" imgW="1574280" imgH="1053720" progId="Photoshop.Image.13">
                     <p:embed/>
                   </p:oleObj>
                 </mc:Choice>
@@ -13402,7 +13402,7 @@
               <a:graphicData uri="http://schemas.openxmlformats.org/presentationml/2006/ole">
                 <mc:AlternateContent xmlns:mc="http://schemas.openxmlformats.org/markup-compatibility/2006">
                   <mc:Choice xmlns:v="urn:schemas-microsoft-com:vml" Requires="v">
-                    <p:oleObj spid="_x0000_s3206" name="Image" r:id="rId15" imgW="1828440" imgH="1117440" progId="Photoshop.Image.13">
+                    <p:oleObj spid="_x0000_s3214" name="Image" r:id="rId15" imgW="1828440" imgH="1117440" progId="Photoshop.Image.13">
                       <p:embed/>
                     </p:oleObj>
                   </mc:Choice>
@@ -13459,7 +13459,7 @@
               <a:graphicData uri="http://schemas.openxmlformats.org/presentationml/2006/ole">
                 <mc:AlternateContent xmlns:mc="http://schemas.openxmlformats.org/markup-compatibility/2006">
                   <mc:Choice xmlns:v="urn:schemas-microsoft-com:vml" Requires="v">
-                    <p:oleObj spid="_x0000_s3207" name="Image" r:id="rId17" imgW="1828440" imgH="1117440" progId="Photoshop.Image.13">
+                    <p:oleObj spid="_x0000_s3215" name="Image" r:id="rId17" imgW="1828440" imgH="1117440" progId="Photoshop.Image.13">
                       <p:embed/>
                     </p:oleObj>
                   </mc:Choice>
@@ -14322,7 +14322,9 @@
             <a:ext cx="8374063" cy="12414080"/>
           </a:xfrm>
           <a:prstGeom prst="roundRect">
-            <a:avLst/>
+            <a:avLst>
+              <a:gd name="adj" fmla="val 13634"/>
+            </a:avLst>
           </a:prstGeom>
           <a:gradFill flip="none" rotWithShape="1">
             <a:gsLst>
@@ -14379,7 +14381,9 @@
             <a:ext cx="11635613" cy="9250573"/>
           </a:xfrm>
           <a:prstGeom prst="roundRect">
-            <a:avLst/>
+            <a:avLst>
+              <a:gd name="adj" fmla="val 11724"/>
+            </a:avLst>
           </a:prstGeom>
           <a:gradFill flip="none" rotWithShape="1">
             <a:gsLst>
@@ -14432,11 +14436,13 @@
         </p:nvSpPr>
         <p:spPr>
           <a:xfrm>
-            <a:off x="12490423" y="17368219"/>
-            <a:ext cx="11635613" cy="9250573"/>
+            <a:off x="12490424" y="17368219"/>
+            <a:ext cx="11628798" cy="9250573"/>
           </a:xfrm>
           <a:prstGeom prst="roundRect">
-            <a:avLst/>
+            <a:avLst>
+              <a:gd name="adj" fmla="val 11451"/>
+            </a:avLst>
           </a:prstGeom>
           <a:gradFill flip="none" rotWithShape="1">
             <a:gsLst>
@@ -14493,7 +14499,9 @@
             <a:ext cx="11605194" cy="9250573"/>
           </a:xfrm>
           <a:prstGeom prst="roundRect">
-            <a:avLst/>
+            <a:avLst>
+              <a:gd name="adj" fmla="val 11450"/>
+            </a:avLst>
           </a:prstGeom>
           <a:gradFill flip="none" rotWithShape="1">
             <a:gsLst>
@@ -14550,7 +14558,9 @@
             <a:ext cx="26210399" cy="12418748"/>
           </a:xfrm>
           <a:prstGeom prst="roundRect">
-            <a:avLst/>
+            <a:avLst>
+              <a:gd name="adj" fmla="val 10736"/>
+            </a:avLst>
           </a:prstGeom>
           <a:gradFill flip="none" rotWithShape="1">
             <a:gsLst>
